--- a/Präsentation/SDLC Präsentation.pptx
+++ b/Präsentation/SDLC Präsentation.pptx
@@ -316,6 +316,33 @@
   </p:cSld>
   <p:clrMap bg1="lt1" tx1="dk1" bg2="lt2" tx2="dk2" accent1="accent1" accent2="accent2" accent3="accent3" accent4="accent4" accent5="accent5" accent6="accent6" hlink="hlink" folHlink="folHlink"/>
 </p:handoutMaster>
+</file>
+
+<file path=ppt/ink/ink1.xml><?xml version="1.0" encoding="utf-8"?>
+<inkml:ink xmlns:inkml="http://www.w3.org/2003/InkML">
+  <inkml:definitions>
+    <inkml:context xml:id="ctx0">
+      <inkml:inkSource xml:id="inkSrc0">
+        <inkml:traceFormat>
+          <inkml:channel name="X" type="integer" min="-2.14748E9" max="2.14748E9" units="cm"/>
+          <inkml:channel name="Y" type="integer" min="-2.14748E9" max="2.14748E9" units="cm"/>
+          <inkml:channel name="F" type="integer" max="32767" units="dev"/>
+        </inkml:traceFormat>
+        <inkml:channelProperties>
+          <inkml:channelProperty channel="X" name="resolution" value="1000" units="1/cm"/>
+          <inkml:channelProperty channel="Y" name="resolution" value="1000" units="1/cm"/>
+          <inkml:channelProperty channel="F" name="resolution" value="0" units="1/dev"/>
+        </inkml:channelProperties>
+      </inkml:inkSource>
+      <inkml:timestamp xml:id="ts0" timeString="2025-02-11T13:13:57.400"/>
+    </inkml:context>
+    <inkml:brush xml:id="br0">
+      <inkml:brushProperty name="width" value="0.35" units="cm"/>
+      <inkml:brushProperty name="height" value="0.35" units="cm"/>
+    </inkml:brush>
+  </inkml:definitions>
+  <inkml:trace contextRef="#ctx0" brushRef="#br0">1 0 24575,'0'0'-8191</inkml:trace>
+</inkml:ink>
 </file>
 
 <file path=ppt/notesMasters/notesMaster1.xml><?xml version="1.0" encoding="utf-8"?>
@@ -15788,7 +15815,7 @@
         </p:nvSpPr>
         <p:spPr>
           <a:xfrm>
-            <a:off x="762517" y="2723165"/>
+            <a:off x="958515" y="750599"/>
             <a:ext cx="4141221" cy="2678401"/>
           </a:xfrm>
         </p:spPr>
@@ -15956,7 +15983,7 @@
                 <a:effectLst/>
                 <a:latin typeface="Inter"/>
               </a:rPr>
-              <a:t>Phasen</a:t>
+              <a:t>6 Phasen</a:t>
             </a:r>
             <a:endParaRPr lang="de-DE" sz="1800" b="0" i="0" dirty="0">
               <a:solidFill>
@@ -16032,7 +16059,7 @@
               <a:buChar char="•"/>
             </a:pPr>
             <a:r>
-              <a:rPr lang="de-DE" sz="1800" b="1" i="0" dirty="0">
+              <a:rPr lang="de-DE" sz="1800" i="0" dirty="0" err="1">
                 <a:solidFill>
                   <a:srgbClr val="F8FAFF"/>
                 </a:solidFill>
@@ -16041,6 +16068,13 @@
               </a:rPr>
               <a:t>Testing</a:t>
             </a:r>
+            <a:endParaRPr lang="de-DE" sz="1800" i="0" dirty="0">
+              <a:solidFill>
+                <a:srgbClr val="F8FAFF"/>
+              </a:solidFill>
+              <a:effectLst/>
+              <a:latin typeface="Inter"/>
+            </a:endParaRPr>
           </a:p>
           <a:p>
             <a:pPr marL="742950" lvl="1" indent="-285750" algn="l">
@@ -16051,7 +16085,7 @@
               <a:buChar char="•"/>
             </a:pPr>
             <a:r>
-              <a:rPr lang="de-DE" sz="1800" b="0" i="0" dirty="0">
+              <a:rPr lang="de-DE" sz="1800" b="0" i="0" dirty="0" err="1">
                 <a:solidFill>
                   <a:srgbClr val="F8FAFF"/>
                 </a:solidFill>
@@ -16060,6 +16094,13 @@
               </a:rPr>
               <a:t>Deployment</a:t>
             </a:r>
+            <a:endParaRPr lang="de-DE" sz="1800" b="0" i="0" dirty="0">
+              <a:solidFill>
+                <a:srgbClr val="F8FAFF"/>
+              </a:solidFill>
+              <a:effectLst/>
+              <a:latin typeface="Inter"/>
+            </a:endParaRPr>
           </a:p>
           <a:p>
             <a:pPr marL="742950" lvl="1" indent="-285750" algn="l">
@@ -16127,14 +16168,112 @@
                 <a:effectLst/>
                 <a:latin typeface="Inter"/>
               </a:rPr>
-              <a:t>Wasserfall, SCRUM, Kanban, V-Modell, DevOps</a:t>
-            </a:r>
+              <a:t>Wasserfall, SCRUM, Kanban, V-Modell, </a:t>
+            </a:r>
+            <a:r>
+              <a:rPr lang="de-DE" sz="1800" b="0" i="0" dirty="0" err="1">
+                <a:solidFill>
+                  <a:srgbClr val="F8FAFF"/>
+                </a:solidFill>
+                <a:effectLst/>
+                <a:latin typeface="Inter"/>
+              </a:rPr>
+              <a:t>DevOps</a:t>
+            </a:r>
+            <a:endParaRPr lang="de-DE" sz="1800" b="0" i="0" dirty="0">
+              <a:solidFill>
+                <a:srgbClr val="F8FAFF"/>
+              </a:solidFill>
+              <a:effectLst/>
+              <a:latin typeface="Inter"/>
+            </a:endParaRPr>
           </a:p>
           <a:p>
             <a:endParaRPr lang="en-US" dirty="0"/>
           </a:p>
         </p:txBody>
       </p:sp>
+      <p:pic>
+        <p:nvPicPr>
+          <p:cNvPr id="8" name="Grafik 7" descr="Ein Bild, das Text, Kreis, Grafiken, Screenshot enthält.&#10;&#10;Automatisch generierte Beschreibung">
+            <a:extLst>
+              <a:ext uri="{FF2B5EF4-FFF2-40B4-BE49-F238E27FC236}">
+                <a16:creationId xmlns:a16="http://schemas.microsoft.com/office/drawing/2014/main" id="{5A3F791B-BB6B-AAF1-5D65-2B03E8187212}"/>
+              </a:ext>
+            </a:extLst>
+          </p:cNvPr>
+          <p:cNvPicPr>
+            <a:picLocks noChangeAspect="1"/>
+          </p:cNvPicPr>
+          <p:nvPr/>
+        </p:nvPicPr>
+        <p:blipFill>
+          <a:blip r:embed="rId2"/>
+          <a:stretch>
+            <a:fillRect/>
+          </a:stretch>
+        </p:blipFill>
+        <p:spPr>
+          <a:xfrm>
+            <a:off x="126724" y="1423824"/>
+            <a:ext cx="4762500" cy="4752975"/>
+          </a:xfrm>
+          <a:prstGeom prst="rect">
+            <a:avLst/>
+          </a:prstGeom>
+        </p:spPr>
+      </p:pic>
+      <mc:AlternateContent xmlns:mc="http://schemas.openxmlformats.org/markup-compatibility/2006">
+        <mc:Choice xmlns:p14="http://schemas.microsoft.com/office/powerpoint/2010/main" Requires="p14">
+          <p:contentPart p14:bwMode="auto" r:id="rId3">
+            <p14:nvContentPartPr>
+              <p14:cNvPr id="11" name="Freihand 10">
+                <a:extLst>
+                  <a:ext uri="{FF2B5EF4-FFF2-40B4-BE49-F238E27FC236}">
+                    <a16:creationId xmlns:a16="http://schemas.microsoft.com/office/drawing/2014/main" id="{FA7DA115-F24F-7248-A126-06E1374B86B3}"/>
+                  </a:ext>
+                </a:extLst>
+              </p14:cNvPr>
+              <p14:cNvContentPartPr/>
+              <p14:nvPr/>
+            </p14:nvContentPartPr>
+            <p14:xfrm>
+              <a:off x="497103" y="2045343"/>
+              <a:ext cx="360" cy="360"/>
+            </p14:xfrm>
+          </p:contentPart>
+        </mc:Choice>
+        <mc:Fallback>
+          <p:pic>
+            <p:nvPicPr>
+              <p:cNvPr id="11" name="Freihand 10">
+                <a:extLst>
+                  <a:ext uri="{FF2B5EF4-FFF2-40B4-BE49-F238E27FC236}">
+                    <a16:creationId xmlns:a16="http://schemas.microsoft.com/office/drawing/2014/main" id="{FA7DA115-F24F-7248-A126-06E1374B86B3}"/>
+                  </a:ext>
+                </a:extLst>
+              </p:cNvPr>
+              <p:cNvPicPr/>
+              <p:nvPr/>
+            </p:nvPicPr>
+            <p:blipFill>
+              <a:blip r:embed="rId4"/>
+              <a:stretch>
+                <a:fillRect/>
+              </a:stretch>
+            </p:blipFill>
+            <p:spPr>
+              <a:xfrm>
+                <a:off x="434463" y="1982343"/>
+                <a:ext cx="126000" cy="126000"/>
+              </a:xfrm>
+              <a:prstGeom prst="rect">
+                <a:avLst/>
+              </a:prstGeom>
+            </p:spPr>
+          </p:pic>
+        </mc:Fallback>
+      </mc:AlternateContent>
     </p:spTree>
     <p:extLst>
       <p:ext uri="{BB962C8B-B14F-4D97-AF65-F5344CB8AC3E}">
@@ -16418,6 +16557,42 @@
           </a:p>
         </p:txBody>
       </p:sp>
+      <p:pic>
+        <p:nvPicPr>
+          <p:cNvPr id="8" name="Grafik 7">
+            <a:extLst>
+              <a:ext uri="{FF2B5EF4-FFF2-40B4-BE49-F238E27FC236}">
+                <a16:creationId xmlns:a16="http://schemas.microsoft.com/office/drawing/2014/main" id="{02A957CE-AEA7-EA02-78AC-3FE34061FAF2}"/>
+              </a:ext>
+            </a:extLst>
+          </p:cNvPr>
+          <p:cNvPicPr>
+            <a:picLocks noChangeAspect="1"/>
+          </p:cNvPicPr>
+          <p:nvPr/>
+        </p:nvPicPr>
+        <p:blipFill>
+          <a:blip r:embed="rId2">
+            <a:extLst>
+              <a:ext uri="{96DAC541-7B7A-43D3-8B79-37D633B846F1}">
+                <asvg:svgBlip xmlns:asvg="http://schemas.microsoft.com/office/drawing/2016/SVG/main" r:embed="rId3"/>
+              </a:ext>
+            </a:extLst>
+          </a:blip>
+          <a:stretch>
+            <a:fillRect/>
+          </a:stretch>
+        </p:blipFill>
+        <p:spPr>
+          <a:xfrm>
+            <a:off x="719006" y="3226490"/>
+            <a:ext cx="2971800" cy="2571750"/>
+          </a:xfrm>
+          <a:prstGeom prst="rect">
+            <a:avLst/>
+          </a:prstGeom>
+        </p:spPr>
+      </p:pic>
     </p:spTree>
     <p:extLst>
       <p:ext uri="{BB962C8B-B14F-4D97-AF65-F5344CB8AC3E}">
@@ -16653,7 +16828,7 @@
         <p:spPr>
           <a:xfrm>
             <a:off x="745902" y="1436400"/>
-            <a:ext cx="4114799" cy="2105746"/>
+            <a:ext cx="5008855" cy="2105746"/>
           </a:xfrm>
         </p:spPr>
         <p:txBody>
@@ -16712,6 +16887,36 @@
           </a:p>
         </p:txBody>
       </p:sp>
+      <p:pic>
+        <p:nvPicPr>
+          <p:cNvPr id="8" name="Grafik 7" descr="Ein Bild, das Text, Screenshot, Person, Licht enthält.&#10;&#10;Automatisch generierte Beschreibung">
+            <a:extLst>
+              <a:ext uri="{FF2B5EF4-FFF2-40B4-BE49-F238E27FC236}">
+                <a16:creationId xmlns:a16="http://schemas.microsoft.com/office/drawing/2014/main" id="{53F69543-6283-6958-0D3F-694795D8175E}"/>
+              </a:ext>
+            </a:extLst>
+          </p:cNvPr>
+          <p:cNvPicPr>
+            <a:picLocks noChangeAspect="1"/>
+          </p:cNvPicPr>
+          <p:nvPr/>
+        </p:nvPicPr>
+        <p:blipFill>
+          <a:blip r:embed="rId2"/>
+          <a:stretch>
+            <a:fillRect/>
+          </a:stretch>
+        </p:blipFill>
+        <p:spPr>
+          <a:xfrm>
+            <a:off x="-1" y="3542146"/>
+            <a:ext cx="4265805" cy="3315854"/>
+          </a:xfrm>
+          <a:prstGeom prst="rect">
+            <a:avLst/>
+          </a:prstGeom>
+        </p:spPr>
+      </p:pic>
     </p:spTree>
     <p:extLst>
       <p:ext uri="{BB962C8B-B14F-4D97-AF65-F5344CB8AC3E}">
@@ -17055,7 +17260,7 @@
           <a:p>
             <a:pPr algn="l"/>
             <a:r>
-              <a:rPr lang="de-DE" b="1" i="0" dirty="0">
+              <a:rPr lang="de-DE" b="1" i="0">
                 <a:solidFill>
                   <a:srgbClr val="F8FAFF"/>
                 </a:solidFill>
@@ -17065,7 +17270,7 @@
               <a:t>TestAutomatisierung</a:t>
             </a:r>
             <a:br>
-              <a:rPr lang="de-DE" b="1" i="0" dirty="0">
+              <a:rPr lang="de-DE" b="1" i="0">
                 <a:solidFill>
                   <a:srgbClr val="F8FAFF"/>
                 </a:solidFill>
@@ -17074,7 +17279,7 @@
               </a:rPr>
             </a:br>
             <a:r>
-              <a:rPr lang="de-DE" b="1" i="0" dirty="0">
+              <a:rPr lang="de-DE" b="1" i="0">
                 <a:solidFill>
                   <a:srgbClr val="F8FAFF"/>
                 </a:solidFill>
@@ -17083,6 +17288,13 @@
               </a:rPr>
               <a:t>Vorteile</a:t>
             </a:r>
+            <a:endParaRPr lang="de-DE" b="1" i="0" dirty="0">
+              <a:solidFill>
+                <a:srgbClr val="F8FAFF"/>
+              </a:solidFill>
+              <a:effectLst/>
+              <a:latin typeface="Inter"/>
+            </a:endParaRPr>
           </a:p>
         </p:txBody>
       </p:sp>
@@ -17148,7 +17360,7 @@
               </a:spcAft>
             </a:pPr>
             <a:r>
-              <a:rPr lang="de-DE" sz="1800" b="1" i="0" dirty="0">
+              <a:rPr lang="de-DE" sz="1800" b="1" i="0">
                 <a:solidFill>
                   <a:srgbClr val="F8FAFF"/>
                 </a:solidFill>
@@ -17158,7 +17370,7 @@
               <a:t>Effizienzsteigerung</a:t>
             </a:r>
             <a:r>
-              <a:rPr lang="de-DE" sz="1800" b="0" i="0" dirty="0">
+              <a:rPr lang="de-DE" sz="1800" b="0" i="0">
                 <a:solidFill>
                   <a:srgbClr val="F8FAFF"/>
                 </a:solidFill>
@@ -17177,7 +17389,7 @@
               <a:buChar char="•"/>
             </a:pPr>
             <a:r>
-              <a:rPr lang="de-DE" sz="1800" b="0" i="0" dirty="0">
+              <a:rPr lang="de-DE" sz="1800" b="0" i="0">
                 <a:solidFill>
                   <a:srgbClr val="F8FAFF"/>
                 </a:solidFill>
@@ -17196,7 +17408,7 @@
               <a:buChar char="•"/>
             </a:pPr>
             <a:r>
-              <a:rPr lang="de-DE" sz="1800" b="0" i="0" dirty="0">
+              <a:rPr lang="de-DE" sz="1800" b="0" i="0">
                 <a:solidFill>
                   <a:srgbClr val="F8FAFF"/>
                 </a:solidFill>
@@ -17205,7 +17417,7 @@
               </a:rPr>
               <a:t>Parallele Ausführung auf mehreren Umgebungen.</a:t>
             </a:r>
-            <a:endParaRPr lang="de-DE" sz="1800" b="1" i="0" dirty="0">
+            <a:endParaRPr lang="de-DE" sz="1800" b="1" i="0">
               <a:solidFill>
                 <a:srgbClr val="F8FAFF"/>
               </a:solidFill>
@@ -17220,7 +17432,7 @@
               </a:spcBef>
             </a:pPr>
             <a:r>
-              <a:rPr lang="de-DE" sz="1800" b="1" i="0" dirty="0">
+              <a:rPr lang="de-DE" sz="1800" b="1" i="0">
                 <a:solidFill>
                   <a:srgbClr val="F8FAFF"/>
                 </a:solidFill>
@@ -17230,7 +17442,7 @@
               <a:t>Kosteneinsparung</a:t>
             </a:r>
             <a:r>
-              <a:rPr lang="de-DE" sz="1800" b="0" i="0" dirty="0">
+              <a:rPr lang="de-DE" sz="1800" b="0" i="0">
                 <a:solidFill>
                   <a:srgbClr val="F8FAFF"/>
                 </a:solidFill>
@@ -17247,7 +17459,7 @@
               </a:spcBef>
             </a:pPr>
             <a:r>
-              <a:rPr lang="de-DE" sz="1800" b="1" i="0" dirty="0">
+              <a:rPr lang="de-DE" sz="1800" b="1" i="0">
                 <a:solidFill>
                   <a:srgbClr val="F8FAFF"/>
                 </a:solidFill>
@@ -17257,7 +17469,7 @@
               <a:t>Zuverlässigkeit</a:t>
             </a:r>
             <a:r>
-              <a:rPr lang="de-DE" sz="1800" b="0" i="0" dirty="0">
+              <a:rPr lang="de-DE" sz="1800" b="0" i="0">
                 <a:solidFill>
                   <a:srgbClr val="F8FAFF"/>
                 </a:solidFill>
@@ -17274,7 +17486,7 @@
               </a:spcBef>
             </a:pPr>
             <a:r>
-              <a:rPr lang="de-DE" sz="1800" b="1" i="0" dirty="0">
+              <a:rPr lang="de-DE" sz="1800" b="1" i="0">
                 <a:solidFill>
                   <a:srgbClr val="F8FAFF"/>
                 </a:solidFill>
@@ -17284,7 +17496,7 @@
               <a:t>Skalierbarkeit</a:t>
             </a:r>
             <a:r>
-              <a:rPr lang="de-DE" sz="1800" b="0" i="0" dirty="0">
+              <a:rPr lang="de-DE" sz="1800" b="0" i="0">
                 <a:solidFill>
                   <a:srgbClr val="F8FAFF"/>
                 </a:solidFill>
@@ -17301,7 +17513,7 @@
               </a:spcBef>
             </a:pPr>
             <a:r>
-              <a:rPr lang="de-DE" sz="1800" b="1" i="0" dirty="0">
+              <a:rPr lang="de-DE" sz="1800" b="1" i="0">
                 <a:solidFill>
                   <a:srgbClr val="F8FAFF"/>
                 </a:solidFill>
@@ -17311,7 +17523,7 @@
               <a:t>Frühe Fehlererkennung</a:t>
             </a:r>
             <a:r>
-              <a:rPr lang="de-DE" sz="1800" b="0" i="0" dirty="0">
+              <a:rPr lang="de-DE" sz="1800" b="0" i="0">
                 <a:solidFill>
                   <a:srgbClr val="F8FAFF"/>
                 </a:solidFill>
@@ -17326,6 +17538,36 @@
           </a:p>
         </p:txBody>
       </p:sp>
+      <p:pic>
+        <p:nvPicPr>
+          <p:cNvPr id="3" name="Grafik 2" descr="Ein Bild, das Grafiken, Schrift, Symbol, Design enthält.&#10;&#10;Automatisch generierte Beschreibung">
+            <a:extLst>
+              <a:ext uri="{FF2B5EF4-FFF2-40B4-BE49-F238E27FC236}">
+                <a16:creationId xmlns:a16="http://schemas.microsoft.com/office/drawing/2014/main" id="{48B770BA-9D0F-497A-85B5-F097A56F5E4F}"/>
+              </a:ext>
+            </a:extLst>
+          </p:cNvPr>
+          <p:cNvPicPr>
+            <a:picLocks noChangeAspect="1"/>
+          </p:cNvPicPr>
+          <p:nvPr/>
+        </p:nvPicPr>
+        <p:blipFill>
+          <a:blip r:embed="rId2"/>
+          <a:stretch>
+            <a:fillRect/>
+          </a:stretch>
+        </p:blipFill>
+        <p:spPr>
+          <a:xfrm>
+            <a:off x="8047001" y="720655"/>
+            <a:ext cx="2902434" cy="2197239"/>
+          </a:xfrm>
+          <a:prstGeom prst="rect">
+            <a:avLst/>
+          </a:prstGeom>
+        </p:spPr>
+      </p:pic>
     </p:spTree>
     <p:extLst>
       <p:ext uri="{BB962C8B-B14F-4D97-AF65-F5344CB8AC3E}">
@@ -17380,7 +17622,7 @@
         </p:nvSpPr>
         <p:spPr>
           <a:xfrm>
-            <a:off x="749970" y="1063034"/>
+            <a:off x="757991" y="1030950"/>
             <a:ext cx="10521948" cy="570079"/>
           </a:xfrm>
         </p:spPr>
@@ -17627,6 +17869,36 @@
           </a:p>
         </p:txBody>
       </p:sp>
+      <p:pic>
+        <p:nvPicPr>
+          <p:cNvPr id="3" name="Grafik 2" descr="Ein Bild, das Logo, Grafiken, Schrift, Symbol enthält.&#10;&#10;Automatisch generierte Beschreibung">
+            <a:extLst>
+              <a:ext uri="{FF2B5EF4-FFF2-40B4-BE49-F238E27FC236}">
+                <a16:creationId xmlns:a16="http://schemas.microsoft.com/office/drawing/2014/main" id="{513C3563-D8E7-3021-BBC7-FD74B6A9E056}"/>
+              </a:ext>
+            </a:extLst>
+          </p:cNvPr>
+          <p:cNvPicPr>
+            <a:picLocks noChangeAspect="1"/>
+          </p:cNvPicPr>
+          <p:nvPr/>
+        </p:nvPicPr>
+        <p:blipFill>
+          <a:blip r:embed="rId2"/>
+          <a:stretch>
+            <a:fillRect/>
+          </a:stretch>
+        </p:blipFill>
+        <p:spPr>
+          <a:xfrm>
+            <a:off x="8036201" y="784380"/>
+            <a:ext cx="2797451" cy="2069790"/>
+          </a:xfrm>
+          <a:prstGeom prst="rect">
+            <a:avLst/>
+          </a:prstGeom>
+        </p:spPr>
+      </p:pic>
     </p:spTree>
     <p:extLst>
       <p:ext uri="{BB962C8B-B14F-4D97-AF65-F5344CB8AC3E}">
@@ -17708,7 +17980,12 @@
             <p:ph type="title"/>
           </p:nvPr>
         </p:nvSpPr>
-        <p:spPr/>
+        <p:spPr>
+          <a:xfrm>
+            <a:off x="831850" y="390525"/>
+            <a:ext cx="10521948" cy="1339850"/>
+          </a:xfrm>
+        </p:spPr>
         <p:txBody>
           <a:bodyPr/>
           <a:lstStyle/>
@@ -18932,6 +19209,35 @@
 </file>
 
 <file path=customXml/item1.xml><?xml version="1.0" encoding="utf-8"?>
+<p:properties xmlns:p="http://schemas.microsoft.com/office/2006/metadata/properties" xmlns:xsi="http://www.w3.org/2001/XMLSchema-instance" xmlns:pc="http://schemas.microsoft.com/office/infopath/2007/PartnerControls">
+  <documentManagement>
+    <_ip_UnifiedCompliancePolicyUIAction xmlns="http://schemas.microsoft.com/sharepoint/v3" xsi:nil="true"/>
+    <Image xmlns="71af3243-3dd4-4a8d-8c0d-dd76da1f02a5">
+      <Url xsi:nil="true"/>
+      <Description xsi:nil="true"/>
+    </Image>
+    <Status xmlns="71af3243-3dd4-4a8d-8c0d-dd76da1f02a5">Not started</Status>
+    <_ip_UnifiedCompliancePolicyProperties xmlns="http://schemas.microsoft.com/sharepoint/v3" xsi:nil="true"/>
+    <ImageTagsTaxHTField xmlns="71af3243-3dd4-4a8d-8c0d-dd76da1f02a5">
+      <Terms xmlns="http://schemas.microsoft.com/office/infopath/2007/PartnerControls"/>
+    </ImageTagsTaxHTField>
+    <TaxCatchAll xmlns="230e9df3-be65-4c73-a93b-d1236ebd677e" xsi:nil="true"/>
+    <MediaServiceKeyPoints xmlns="71af3243-3dd4-4a8d-8c0d-dd76da1f02a5" xsi:nil="true"/>
+    <Background xmlns="71af3243-3dd4-4a8d-8c0d-dd76da1f02a5">false</Background>
+  </documentManagement>
+</p:properties>
+</file>
+
+<file path=customXml/item2.xml><?xml version="1.0" encoding="utf-8"?>
+<?mso-contentType ?>
+<FormTemplates xmlns="http://schemas.microsoft.com/sharepoint/v3/contenttype/forms">
+  <Display>DocumentLibraryForm</Display>
+  <Edit>DocumentLibraryForm</Edit>
+  <New>DocumentLibraryForm</New>
+</FormTemplates>
+</file>
+
+<file path=customXml/item3.xml><?xml version="1.0" encoding="utf-8"?>
 <ct:contentTypeSchema xmlns:ct="http://schemas.microsoft.com/office/2006/metadata/contentType" xmlns:ma="http://schemas.microsoft.com/office/2006/metadata/properties/metaAttributes" ct:_="" ma:_="" ma:contentTypeName="Document" ma:contentTypeID="0x01010079F111ED35F8CC479449609E8A0923A6" ma:contentTypeVersion="28" ma:contentTypeDescription="Create a new document." ma:contentTypeScope="" ma:versionID="60f5a4f2d2b0abadcf532d48ebf9cb71">
   <xsd:schema xmlns:xsd="http://www.w3.org/2001/XMLSchema" xmlns:xs="http://www.w3.org/2001/XMLSchema" xmlns:p="http://schemas.microsoft.com/office/2006/metadata/properties" xmlns:ns1="http://schemas.microsoft.com/sharepoint/v3" xmlns:ns2="71af3243-3dd4-4a8d-8c0d-dd76da1f02a5" xmlns:ns3="16c05727-aa75-4e4a-9b5f-8a80a1165891" xmlns:ns4="230e9df3-be65-4c73-a93b-d1236ebd677e" targetNamespace="http://schemas.microsoft.com/office/2006/metadata/properties" ma:root="true" ma:fieldsID="7dd78129e6a1811f84807ad11c651531" ns1:_="" ns2:_="" ns3:_="" ns4:_="">
     <xsd:import namespace="http://schemas.microsoft.com/sharepoint/v3"/>
@@ -19243,36 +19549,27 @@
 </ct:contentTypeSchema>
 </file>
 
-<file path=customXml/item2.xml><?xml version="1.0" encoding="utf-8"?>
-<?mso-contentType ?>
-<FormTemplates xmlns="http://schemas.microsoft.com/sharepoint/v3/contenttype/forms">
-  <Display>DocumentLibraryForm</Display>
-  <Edit>DocumentLibraryForm</Edit>
-  <New>DocumentLibraryForm</New>
-</FormTemplates>
+<file path=customXml/itemProps1.xml><?xml version="1.0" encoding="utf-8"?>
+<ds:datastoreItem xmlns:ds="http://schemas.openxmlformats.org/officeDocument/2006/customXml" ds:itemID="{4CC7F809-A434-4A8D-A127-1C50C2DB3890}">
+  <ds:schemaRefs>
+    <ds:schemaRef ds:uri="http://schemas.microsoft.com/office/2006/metadata/properties"/>
+    <ds:schemaRef ds:uri="http://schemas.microsoft.com/office/infopath/2007/PartnerControls"/>
+    <ds:schemaRef ds:uri="http://schemas.microsoft.com/sharepoint/v3"/>
+    <ds:schemaRef ds:uri="71af3243-3dd4-4a8d-8c0d-dd76da1f02a5"/>
+    <ds:schemaRef ds:uri="230e9df3-be65-4c73-a93b-d1236ebd677e"/>
+  </ds:schemaRefs>
+</ds:datastoreItem>
 </file>
 
-<file path=customXml/item3.xml><?xml version="1.0" encoding="utf-8"?>
-<p:properties xmlns:p="http://schemas.microsoft.com/office/2006/metadata/properties" xmlns:xsi="http://www.w3.org/2001/XMLSchema-instance" xmlns:pc="http://schemas.microsoft.com/office/infopath/2007/PartnerControls">
-  <documentManagement>
-    <_ip_UnifiedCompliancePolicyUIAction xmlns="http://schemas.microsoft.com/sharepoint/v3" xsi:nil="true"/>
-    <Image xmlns="71af3243-3dd4-4a8d-8c0d-dd76da1f02a5">
-      <Url xsi:nil="true"/>
-      <Description xsi:nil="true"/>
-    </Image>
-    <Status xmlns="71af3243-3dd4-4a8d-8c0d-dd76da1f02a5">Not started</Status>
-    <_ip_UnifiedCompliancePolicyProperties xmlns="http://schemas.microsoft.com/sharepoint/v3" xsi:nil="true"/>
-    <ImageTagsTaxHTField xmlns="71af3243-3dd4-4a8d-8c0d-dd76da1f02a5">
-      <Terms xmlns="http://schemas.microsoft.com/office/infopath/2007/PartnerControls"/>
-    </ImageTagsTaxHTField>
-    <TaxCatchAll xmlns="230e9df3-be65-4c73-a93b-d1236ebd677e" xsi:nil="true"/>
-    <MediaServiceKeyPoints xmlns="71af3243-3dd4-4a8d-8c0d-dd76da1f02a5" xsi:nil="true"/>
-    <Background xmlns="71af3243-3dd4-4a8d-8c0d-dd76da1f02a5">false</Background>
-  </documentManagement>
-</p:properties>
+<file path=customXml/itemProps2.xml><?xml version="1.0" encoding="utf-8"?>
+<ds:datastoreItem xmlns:ds="http://schemas.openxmlformats.org/officeDocument/2006/customXml" ds:itemID="{BD5826B4-4DD2-4A9B-8D6D-E91CF9C2316C}">
+  <ds:schemaRefs>
+    <ds:schemaRef ds:uri="http://schemas.microsoft.com/sharepoint/v3/contenttype/forms"/>
+  </ds:schemaRefs>
+</ds:datastoreItem>
 </file>
 
-<file path=customXml/itemProps1.xml><?xml version="1.0" encoding="utf-8"?>
+<file path=customXml/itemProps3.xml><?xml version="1.0" encoding="utf-8"?>
 <ds:datastoreItem xmlns:ds="http://schemas.openxmlformats.org/officeDocument/2006/customXml" ds:itemID="{00E6EE1E-660B-46C6-AC21-8E505FB9574F}">
   <ds:schemaRefs>
     <ds:schemaRef ds:uri="http://schemas.microsoft.com/office/2006/metadata/contentType"/>
@@ -19293,26 +19590,6 @@
 </ds:datastoreItem>
 </file>
 
-<file path=customXml/itemProps2.xml><?xml version="1.0" encoding="utf-8"?>
-<ds:datastoreItem xmlns:ds="http://schemas.openxmlformats.org/officeDocument/2006/customXml" ds:itemID="{BD5826B4-4DD2-4A9B-8D6D-E91CF9C2316C}">
-  <ds:schemaRefs>
-    <ds:schemaRef ds:uri="http://schemas.microsoft.com/sharepoint/v3/contenttype/forms"/>
-  </ds:schemaRefs>
-</ds:datastoreItem>
-</file>
-
-<file path=customXml/itemProps3.xml><?xml version="1.0" encoding="utf-8"?>
-<ds:datastoreItem xmlns:ds="http://schemas.openxmlformats.org/officeDocument/2006/customXml" ds:itemID="{4CC7F809-A434-4A8D-A127-1C50C2DB3890}">
-  <ds:schemaRefs>
-    <ds:schemaRef ds:uri="http://schemas.microsoft.com/office/2006/metadata/properties"/>
-    <ds:schemaRef ds:uri="http://schemas.microsoft.com/office/infopath/2007/PartnerControls"/>
-    <ds:schemaRef ds:uri="http://schemas.microsoft.com/sharepoint/v3"/>
-    <ds:schemaRef ds:uri="71af3243-3dd4-4a8d-8c0d-dd76da1f02a5"/>
-    <ds:schemaRef ds:uri="230e9df3-be65-4c73-a93b-d1236ebd677e"/>
-  </ds:schemaRefs>
-</ds:datastoreItem>
-</file>
-
 <file path=docMetadata/LabelInfo.xml><?xml version="1.0" encoding="utf-8"?>
 <clbl:labelList xmlns:clbl="http://schemas.microsoft.com/office/2020/mipLabelMetadata"/>
 </file>
--- a/Präsentation/SDLC Präsentation.pptx
+++ b/Präsentation/SDLC Präsentation.pptx
@@ -223,7 +223,7 @@
           <a:p>
             <a:fld id="{B56F32FC-4BD9-442A-A8C6-51598C909FE3}" type="datetimeFigureOut">
               <a:rPr lang="en-US" smtClean="0"/>
-              <a:t>2/11/2025</a:t>
+              <a:t>2/12/2025</a:t>
             </a:fld>
             <a:endParaRPr lang="en-US" dirty="0"/>
           </a:p>
@@ -427,7 +427,7 @@
           <a:p>
             <a:fld id="{056371FA-A98D-41E8-93F4-09945841298A}" type="datetimeFigureOut">
               <a:rPr lang="en-US" smtClean="0"/>
-              <a:t>2/11/2025</a:t>
+              <a:t>2/12/2025</a:t>
             </a:fld>
             <a:endParaRPr lang="en-US" dirty="0"/>
           </a:p>
@@ -15777,6 +15777,9 @@
   <p:clrMapOvr>
     <a:masterClrMapping/>
   </p:clrMapOvr>
+  <p:transition spd="slow">
+    <p:comb/>
+  </p:transition>
 </p:sld>
 </file>
 
@@ -15799,90 +15802,6 @@
       </p:grpSpPr>
       <p:sp>
         <p:nvSpPr>
-          <p:cNvPr id="12" name="Title 11">
-            <a:extLst>
-              <a:ext uri="{FF2B5EF4-FFF2-40B4-BE49-F238E27FC236}">
-                <a16:creationId xmlns:a16="http://schemas.microsoft.com/office/drawing/2014/main" id="{6F072048-02E5-A3A6-BB32-B8BCCC21D123}"/>
-              </a:ext>
-            </a:extLst>
-          </p:cNvPr>
-          <p:cNvSpPr>
-            <a:spLocks noGrp="1"/>
-          </p:cNvSpPr>
-          <p:nvPr>
-            <p:ph type="title"/>
-          </p:nvPr>
-        </p:nvSpPr>
-        <p:spPr>
-          <a:xfrm>
-            <a:off x="958515" y="750599"/>
-            <a:ext cx="4141221" cy="2678401"/>
-          </a:xfrm>
-        </p:spPr>
-        <p:txBody>
-          <a:bodyPr/>
-          <a:lstStyle/>
-          <a:p>
-            <a:r>
-              <a:rPr lang="de-DE" sz="3600" b="1" i="0" dirty="0">
-                <a:solidFill>
-                  <a:srgbClr val="F8FAFF"/>
-                </a:solidFill>
-                <a:effectLst/>
-                <a:latin typeface="Inter"/>
-              </a:rPr>
-              <a:t>Was ist SDLC?</a:t>
-            </a:r>
-            <a:br>
-              <a:rPr lang="de-DE" sz="4400" b="1" i="0" dirty="0">
-                <a:solidFill>
-                  <a:srgbClr val="F8FAFF"/>
-                </a:solidFill>
-                <a:effectLst/>
-                <a:latin typeface="Inter"/>
-              </a:rPr>
-            </a:br>
-            <a:endParaRPr lang="en-US" sz="4400" dirty="0"/>
-          </a:p>
-        </p:txBody>
-      </p:sp>
-      <p:sp>
-        <p:nvSpPr>
-          <p:cNvPr id="6" name="Slide Number Placeholder 5">
-            <a:extLst>
-              <a:ext uri="{FF2B5EF4-FFF2-40B4-BE49-F238E27FC236}">
-                <a16:creationId xmlns:a16="http://schemas.microsoft.com/office/drawing/2014/main" id="{7C991F00-87A7-45A6-8029-B097FA72498D}"/>
-              </a:ext>
-            </a:extLst>
-          </p:cNvPr>
-          <p:cNvSpPr>
-            <a:spLocks noGrp="1"/>
-          </p:cNvSpPr>
-          <p:nvPr>
-            <p:ph type="sldNum" sz="quarter" idx="4"/>
-          </p:nvPr>
-        </p:nvSpPr>
-        <p:spPr>
-          <a:xfrm>
-            <a:off x="8610600" y="6356351"/>
-            <a:ext cx="2743201" cy="365125"/>
-          </a:xfrm>
-        </p:spPr>
-        <p:txBody>
-          <a:bodyPr/>
-          <a:lstStyle/>
-          <a:p>
-            <a:fld id="{A49DFD55-3C28-40EF-9E31-A92D2E4017FF}" type="slidenum">
-              <a:rPr lang="en-US" smtClean="0"/>
-              <a:pPr/>
-              <a:t>2</a:t>
-            </a:fld>
-            <a:endParaRPr lang="en-US" dirty="0"/>
-          </a:p>
-        </p:txBody>
-      </p:sp>
-      <p:sp>
-        <p:nvSpPr>
           <p:cNvPr id="13" name="Content Placeholder 12">
             <a:extLst>
               <a:ext uri="{FF2B5EF4-FFF2-40B4-BE49-F238E27FC236}">
@@ -15983,7 +15902,7 @@
                 <a:effectLst/>
                 <a:latin typeface="Inter"/>
               </a:rPr>
-              <a:t>6 Phasen</a:t>
+              <a:t>Aufgeteilt in 6 Phasen</a:t>
             </a:r>
             <a:endParaRPr lang="de-DE" sz="1800" b="0" i="0" dirty="0">
               <a:solidFill>
@@ -16059,7 +15978,7 @@
               <a:buChar char="•"/>
             </a:pPr>
             <a:r>
-              <a:rPr lang="de-DE" sz="1800" i="0" dirty="0" err="1">
+              <a:rPr lang="de-DE" sz="1800" i="0" dirty="0">
                 <a:solidFill>
                   <a:srgbClr val="F8FAFF"/>
                 </a:solidFill>
@@ -16068,13 +15987,6 @@
               </a:rPr>
               <a:t>Testing</a:t>
             </a:r>
-            <a:endParaRPr lang="de-DE" sz="1800" i="0" dirty="0">
-              <a:solidFill>
-                <a:srgbClr val="F8FAFF"/>
-              </a:solidFill>
-              <a:effectLst/>
-              <a:latin typeface="Inter"/>
-            </a:endParaRPr>
           </a:p>
           <a:p>
             <a:pPr marL="742950" lvl="1" indent="-285750" algn="l">
@@ -16085,7 +15997,7 @@
               <a:buChar char="•"/>
             </a:pPr>
             <a:r>
-              <a:rPr lang="de-DE" sz="1800" b="0" i="0" dirty="0" err="1">
+              <a:rPr lang="de-DE" sz="1800" b="0" i="0" dirty="0">
                 <a:solidFill>
                   <a:srgbClr val="F8FAFF"/>
                 </a:solidFill>
@@ -16094,13 +16006,6 @@
               </a:rPr>
               <a:t>Deployment</a:t>
             </a:r>
-            <a:endParaRPr lang="de-DE" sz="1800" b="0" i="0" dirty="0">
-              <a:solidFill>
-                <a:srgbClr val="F8FAFF"/>
-              </a:solidFill>
-              <a:effectLst/>
-              <a:latin typeface="Inter"/>
-            </a:endParaRPr>
           </a:p>
           <a:p>
             <a:pPr marL="742950" lvl="1" indent="-285750" algn="l">
@@ -16168,27 +16073,94 @@
                 <a:effectLst/>
                 <a:latin typeface="Inter"/>
               </a:rPr>
-              <a:t>Wasserfall, SCRUM, Kanban, V-Modell, </a:t>
-            </a:r>
-            <a:r>
-              <a:rPr lang="de-DE" sz="1800" b="0" i="0" dirty="0" err="1">
+              <a:t>Wasserfall, SCRUM, Kanban, V-Modell, DevOps</a:t>
+            </a:r>
+          </a:p>
+          <a:p>
+            <a:endParaRPr lang="en-US" dirty="0"/>
+          </a:p>
+        </p:txBody>
+      </p:sp>
+      <p:sp>
+        <p:nvSpPr>
+          <p:cNvPr id="12" name="Title 11">
+            <a:extLst>
+              <a:ext uri="{FF2B5EF4-FFF2-40B4-BE49-F238E27FC236}">
+                <a16:creationId xmlns:a16="http://schemas.microsoft.com/office/drawing/2014/main" id="{6F072048-02E5-A3A6-BB32-B8BCCC21D123}"/>
+              </a:ext>
+            </a:extLst>
+          </p:cNvPr>
+          <p:cNvSpPr>
+            <a:spLocks noGrp="1"/>
+          </p:cNvSpPr>
+          <p:nvPr>
+            <p:ph type="title"/>
+          </p:nvPr>
+        </p:nvSpPr>
+        <p:spPr>
+          <a:xfrm>
+            <a:off x="1118382" y="750599"/>
+            <a:ext cx="4141221" cy="2678401"/>
+          </a:xfrm>
+        </p:spPr>
+        <p:txBody>
+          <a:bodyPr/>
+          <a:lstStyle/>
+          <a:p>
+            <a:r>
+              <a:rPr lang="de-DE" b="1" i="0" dirty="0">
                 <a:solidFill>
                   <a:srgbClr val="F8FAFF"/>
                 </a:solidFill>
                 <a:effectLst/>
                 <a:latin typeface="Inter"/>
               </a:rPr>
-              <a:t>DevOps</a:t>
-            </a:r>
-            <a:endParaRPr lang="de-DE" sz="1800" b="0" i="0" dirty="0">
-              <a:solidFill>
-                <a:srgbClr val="F8FAFF"/>
-              </a:solidFill>
-              <a:effectLst/>
-              <a:latin typeface="Inter"/>
-            </a:endParaRPr>
-          </a:p>
-          <a:p>
+              <a:t>Was ist SDLC?</a:t>
+            </a:r>
+            <a:br>
+              <a:rPr lang="de-DE" sz="4400" b="1" i="0" dirty="0">
+                <a:solidFill>
+                  <a:srgbClr val="F8FAFF"/>
+                </a:solidFill>
+                <a:effectLst/>
+                <a:latin typeface="Inter"/>
+              </a:rPr>
+            </a:br>
+            <a:endParaRPr lang="en-US" sz="4400" dirty="0"/>
+          </a:p>
+        </p:txBody>
+      </p:sp>
+      <p:sp>
+        <p:nvSpPr>
+          <p:cNvPr id="6" name="Slide Number Placeholder 5">
+            <a:extLst>
+              <a:ext uri="{FF2B5EF4-FFF2-40B4-BE49-F238E27FC236}">
+                <a16:creationId xmlns:a16="http://schemas.microsoft.com/office/drawing/2014/main" id="{7C991F00-87A7-45A6-8029-B097FA72498D}"/>
+              </a:ext>
+            </a:extLst>
+          </p:cNvPr>
+          <p:cNvSpPr>
+            <a:spLocks noGrp="1"/>
+          </p:cNvSpPr>
+          <p:nvPr>
+            <p:ph type="sldNum" sz="quarter" idx="4"/>
+          </p:nvPr>
+        </p:nvSpPr>
+        <p:spPr>
+          <a:xfrm>
+            <a:off x="8610600" y="6356351"/>
+            <a:ext cx="2743201" cy="365125"/>
+          </a:xfrm>
+        </p:spPr>
+        <p:txBody>
+          <a:bodyPr/>
+          <a:lstStyle/>
+          <a:p>
+            <a:fld id="{A49DFD55-3C28-40EF-9E31-A92D2E4017FF}" type="slidenum">
+              <a:rPr lang="en-US" smtClean="0"/>
+              <a:pPr/>
+              <a:t>2</a:t>
+            </a:fld>
             <a:endParaRPr lang="en-US" dirty="0"/>
           </a:p>
         </p:txBody>
@@ -16223,8 +16195,8 @@
           </a:prstGeom>
         </p:spPr>
       </p:pic>
-      <mc:AlternateContent xmlns:mc="http://schemas.openxmlformats.org/markup-compatibility/2006">
-        <mc:Choice xmlns:p14="http://schemas.microsoft.com/office/powerpoint/2010/main" Requires="p14">
+      <mc:AlternateContent xmlns:mc="http://schemas.openxmlformats.org/markup-compatibility/2006" xmlns:p14="http://schemas.microsoft.com/office/powerpoint/2010/main">
+        <mc:Choice Requires="p14">
           <p:contentPart p14:bwMode="auto" r:id="rId3">
             <p14:nvContentPartPr>
               <p14:cNvPr id="11" name="Freihand 10">
@@ -16243,7 +16215,7 @@
             </p14:xfrm>
           </p:contentPart>
         </mc:Choice>
-        <mc:Fallback>
+        <mc:Fallback xmlns="">
           <p:pic>
             <p:nvPicPr>
               <p:cNvPr id="11" name="Freihand 10">
@@ -16284,6 +16256,9 @@
   <p:clrMapOvr>
     <a:masterClrMapping/>
   </p:clrMapOvr>
+  <p:transition spd="slow">
+    <p:comb/>
+  </p:transition>
 </p:sld>
 </file>
 
@@ -16526,7 +16501,7 @@
         </p:nvSpPr>
         <p:spPr>
           <a:xfrm>
-            <a:off x="719006" y="1580779"/>
+            <a:off x="743069" y="1757242"/>
             <a:ext cx="3422169" cy="2105746"/>
           </a:xfrm>
         </p:spPr>
@@ -16535,7 +16510,7 @@
           <a:lstStyle/>
           <a:p>
             <a:r>
-              <a:rPr lang="de-DE" b="1" i="0" dirty="0">
+              <a:rPr lang="de-DE" sz="2400" b="1" i="0" dirty="0">
                 <a:solidFill>
                   <a:srgbClr val="F8FAFF"/>
                 </a:solidFill>
@@ -16545,7 +16520,7 @@
               <a:t>Wo wird SDLC genutzt?</a:t>
             </a:r>
             <a:br>
-              <a:rPr lang="de-DE" b="1" i="0" dirty="0">
+              <a:rPr lang="de-DE" sz="2400" b="1" i="0" dirty="0">
                 <a:solidFill>
                   <a:srgbClr val="F8FAFF"/>
                 </a:solidFill>
@@ -16553,7 +16528,7 @@
                 <a:latin typeface="Inter"/>
               </a:rPr>
             </a:br>
-            <a:endParaRPr lang="en-US" dirty="0"/>
+            <a:endParaRPr lang="en-US" sz="2400" dirty="0"/>
           </a:p>
         </p:txBody>
       </p:sp>
@@ -16603,6 +16578,9 @@
   <p:clrMapOvr>
     <a:masterClrMapping/>
   </p:clrMapOvr>
+  <p:transition spd="slow">
+    <p:comb/>
+  </p:transition>
 </p:sld>
 </file>
 
@@ -16827,7 +16805,7 @@
         </p:nvSpPr>
         <p:spPr>
           <a:xfrm>
-            <a:off x="745902" y="1436400"/>
+            <a:off x="753923" y="1436400"/>
             <a:ext cx="5008855" cy="2105746"/>
           </a:xfrm>
         </p:spPr>
@@ -16909,12 +16887,15 @@
         </p:blipFill>
         <p:spPr>
           <a:xfrm>
-            <a:off x="-1" y="3542146"/>
+            <a:off x="-1" y="3554672"/>
             <a:ext cx="4265805" cy="3315854"/>
           </a:xfrm>
           <a:prstGeom prst="rect">
             <a:avLst/>
           </a:prstGeom>
+          <a:effectLst>
+            <a:softEdge rad="723900"/>
+          </a:effectLst>
         </p:spPr>
       </p:pic>
     </p:spTree>
@@ -16927,6 +16908,9 @@
   <p:clrMapOvr>
     <a:masterClrMapping/>
   </p:clrMapOvr>
+  <p:transition spd="slow">
+    <p:comb/>
+  </p:transition>
 </p:sld>
 </file>
 
@@ -17155,7 +17139,7 @@
         </p:nvSpPr>
         <p:spPr>
           <a:xfrm>
-            <a:off x="751091" y="1556715"/>
+            <a:off x="759112" y="2070063"/>
             <a:ext cx="3422169" cy="2105746"/>
           </a:xfrm>
         </p:spPr>
@@ -17164,7 +17148,11 @@
           <a:lstStyle/>
           <a:p>
             <a:r>
-              <a:rPr lang="de-DE" dirty="0"/>
+              <a:rPr lang="de-DE" sz="2400" dirty="0">
+                <a:solidFill>
+                  <a:schemeClr val="bg1"/>
+                </a:solidFill>
+              </a:rPr>
               <a:t>SOFTWARE TESTING</a:t>
             </a:r>
           </a:p>
@@ -17210,6 +17198,9 @@
   <p:clrMapOvr>
     <a:masterClrMapping/>
   </p:clrMapOvr>
+  <p:transition spd="slow">
+    <p:comb/>
+  </p:transition>
 </p:sld>
 </file>
 
@@ -17248,38 +17239,19 @@
         </p:nvSpPr>
         <p:spPr>
           <a:xfrm>
-            <a:off x="757991" y="966781"/>
+            <a:off x="757991" y="1167306"/>
             <a:ext cx="10521948" cy="690395"/>
           </a:xfrm>
         </p:spPr>
         <p:txBody>
           <a:bodyPr>
-            <a:normAutofit fontScale="90000"/>
+            <a:normAutofit/>
           </a:bodyPr>
           <a:lstStyle/>
           <a:p>
             <a:pPr algn="l"/>
             <a:r>
-              <a:rPr lang="de-DE" b="1" i="0">
-                <a:solidFill>
-                  <a:srgbClr val="F8FAFF"/>
-                </a:solidFill>
-                <a:effectLst/>
-                <a:latin typeface="Inter"/>
-              </a:rPr>
-              <a:t>TestAutomatisierung</a:t>
-            </a:r>
-            <a:br>
-              <a:rPr lang="de-DE" b="1" i="0">
-                <a:solidFill>
-                  <a:srgbClr val="F8FAFF"/>
-                </a:solidFill>
-                <a:effectLst/>
-                <a:latin typeface="Inter"/>
-              </a:rPr>
-            </a:br>
-            <a:r>
-              <a:rPr lang="de-DE" b="1" i="0">
+              <a:rPr lang="de-DE" b="1" i="0" dirty="0">
                 <a:solidFill>
                   <a:srgbClr val="F8FAFF"/>
                 </a:solidFill>
@@ -17288,13 +17260,6 @@
               </a:rPr>
               <a:t>Vorteile</a:t>
             </a:r>
-            <a:endParaRPr lang="de-DE" b="1" i="0" dirty="0">
-              <a:solidFill>
-                <a:srgbClr val="F8FAFF"/>
-              </a:solidFill>
-              <a:effectLst/>
-              <a:latin typeface="Inter"/>
-            </a:endParaRPr>
           </a:p>
         </p:txBody>
       </p:sp>
@@ -17578,6 +17543,9 @@
   <p:clrMapOvr>
     <a:masterClrMapping/>
   </p:clrMapOvr>
+  <p:transition spd="slow">
+    <p:comb/>
+  </p:transition>
 </p:sld>
 </file>
 
@@ -17622,35 +17590,16 @@
         </p:nvSpPr>
         <p:spPr>
           <a:xfrm>
-            <a:off x="757991" y="1030950"/>
+            <a:off x="757991" y="1215433"/>
             <a:ext cx="10521948" cy="570079"/>
           </a:xfrm>
         </p:spPr>
         <p:txBody>
           <a:bodyPr>
-            <a:normAutofit fontScale="90000"/>
+            <a:normAutofit/>
           </a:bodyPr>
           <a:lstStyle/>
           <a:p>
-            <a:r>
-              <a:rPr lang="de-DE" b="1" i="0" dirty="0">
-                <a:solidFill>
-                  <a:srgbClr val="F8FAFF"/>
-                </a:solidFill>
-                <a:effectLst/>
-                <a:latin typeface="Inter"/>
-              </a:rPr>
-              <a:t>TestautomatisierunG</a:t>
-            </a:r>
-            <a:br>
-              <a:rPr lang="de-DE" b="1" i="0" dirty="0">
-                <a:solidFill>
-                  <a:srgbClr val="F8FAFF"/>
-                </a:solidFill>
-                <a:effectLst/>
-                <a:latin typeface="Inter"/>
-              </a:rPr>
-            </a:br>
             <a:r>
               <a:rPr lang="de-DE" b="1" i="0" dirty="0">
                 <a:solidFill>
@@ -17909,6 +17858,9 @@
   <p:clrMapOvr>
     <a:masterClrMapping/>
   </p:clrMapOvr>
+  <p:transition spd="slow">
+    <p:comb/>
+  </p:transition>
 </p:sld>
 </file>
 
@@ -17931,6 +17883,41 @@
       </p:grpSpPr>
       <p:sp>
         <p:nvSpPr>
+          <p:cNvPr id="12" name="Title 11">
+            <a:extLst>
+              <a:ext uri="{FF2B5EF4-FFF2-40B4-BE49-F238E27FC236}">
+                <a16:creationId xmlns:a16="http://schemas.microsoft.com/office/drawing/2014/main" id="{85627A9E-80E7-3F2E-57F2-D020B264F171}"/>
+              </a:ext>
+            </a:extLst>
+          </p:cNvPr>
+          <p:cNvSpPr>
+            <a:spLocks noGrp="1"/>
+          </p:cNvSpPr>
+          <p:nvPr>
+            <p:ph type="title"/>
+          </p:nvPr>
+        </p:nvSpPr>
+        <p:spPr>
+          <a:xfrm>
+            <a:off x="753361" y="793997"/>
+            <a:ext cx="6444796" cy="1339128"/>
+          </a:xfrm>
+        </p:spPr>
+        <p:txBody>
+          <a:bodyPr anchor="ctr">
+            <a:normAutofit/>
+          </a:bodyPr>
+          <a:lstStyle/>
+          <a:p>
+            <a:r>
+              <a:rPr lang="en-US" dirty="0"/>
+              <a:t>FAZIT</a:t>
+            </a:r>
+          </a:p>
+        </p:txBody>
+      </p:sp>
+      <p:sp>
+        <p:nvSpPr>
           <p:cNvPr id="4" name="Slide Number Placeholder 3">
             <a:extLst>
               <a:ext uri="{FF2B5EF4-FFF2-40B4-BE49-F238E27FC236}">
@@ -17952,24 +17939,35 @@
           </a:xfrm>
         </p:spPr>
         <p:txBody>
-          <a:bodyPr/>
+          <a:bodyPr anchor="ctr">
+            <a:normAutofit/>
+          </a:bodyPr>
           <a:lstStyle/>
           <a:p>
+            <a:pPr>
+              <a:spcAft>
+                <a:spcPts val="600"/>
+              </a:spcAft>
+            </a:pPr>
             <a:fld id="{A49DFD55-3C28-40EF-9E31-A92D2E4017FF}" type="slidenum">
               <a:rPr lang="en-US" smtClean="0"/>
-              <a:pPr/>
+              <a:pPr>
+                <a:spcAft>
+                  <a:spcPts val="600"/>
+                </a:spcAft>
+              </a:pPr>
               <a:t>8</a:t>
             </a:fld>
-            <a:endParaRPr lang="en-US" dirty="0"/>
-          </a:p>
-        </p:txBody>
-      </p:sp>
-      <p:sp>
-        <p:nvSpPr>
-          <p:cNvPr id="12" name="Title 11">
-            <a:extLst>
-              <a:ext uri="{FF2B5EF4-FFF2-40B4-BE49-F238E27FC236}">
-                <a16:creationId xmlns:a16="http://schemas.microsoft.com/office/drawing/2014/main" id="{85627A9E-80E7-3F2E-57F2-D020B264F171}"/>
+            <a:endParaRPr lang="en-US"/>
+          </a:p>
+        </p:txBody>
+      </p:sp>
+      <p:sp>
+        <p:nvSpPr>
+          <p:cNvPr id="13" name="Content Placeholder 12">
+            <a:extLst>
+              <a:ext uri="{FF2B5EF4-FFF2-40B4-BE49-F238E27FC236}">
+                <a16:creationId xmlns:a16="http://schemas.microsoft.com/office/drawing/2014/main" id="{A0AF5F83-00A8-4DEF-1207-92EB705C512E}"/>
               </a:ext>
             </a:extLst>
           </p:cNvPr>
@@ -17977,75 +17975,47 @@
             <a:spLocks noGrp="1"/>
           </p:cNvSpPr>
           <p:nvPr>
-            <p:ph type="title"/>
+            <p:ph sz="quarter" idx="17"/>
           </p:nvPr>
         </p:nvSpPr>
         <p:spPr>
           <a:xfrm>
-            <a:off x="831850" y="390525"/>
-            <a:ext cx="10521948" cy="1339850"/>
+            <a:off x="786320" y="1951253"/>
+            <a:ext cx="6444800" cy="4359276"/>
           </a:xfrm>
         </p:spPr>
         <p:txBody>
-          <a:bodyPr/>
+          <a:bodyPr>
+            <a:normAutofit/>
+          </a:bodyPr>
           <a:lstStyle/>
           <a:p>
-            <a:r>
-              <a:rPr lang="en-US" dirty="0"/>
-              <a:t>FAZIT</a:t>
-            </a:r>
-          </a:p>
-        </p:txBody>
-      </p:sp>
-      <p:sp>
-        <p:nvSpPr>
-          <p:cNvPr id="13" name="Content Placeholder 12">
-            <a:extLst>
-              <a:ext uri="{FF2B5EF4-FFF2-40B4-BE49-F238E27FC236}">
-                <a16:creationId xmlns:a16="http://schemas.microsoft.com/office/drawing/2014/main" id="{A0AF5F83-00A8-4DEF-1207-92EB705C512E}"/>
-              </a:ext>
-            </a:extLst>
-          </p:cNvPr>
-          <p:cNvSpPr>
-            <a:spLocks noGrp="1"/>
-          </p:cNvSpPr>
-          <p:nvPr>
-            <p:ph idx="15"/>
-          </p:nvPr>
-        </p:nvSpPr>
-        <p:spPr/>
-        <p:txBody>
-          <a:bodyPr/>
-          <a:lstStyle/>
-          <a:p>
-            <a:pPr algn="l">
+            <a:pPr>
               <a:spcAft>
                 <a:spcPts val="300"/>
               </a:spcAft>
             </a:pPr>
             <a:r>
-              <a:rPr lang="de-DE" sz="1800" b="1" i="0" dirty="0">
-                <a:solidFill>
-                  <a:srgbClr val="F8FAFF"/>
+              <a:rPr lang="de-DE" sz="2200" b="1" i="0" dirty="0">
+                <a:solidFill>
+                  <a:schemeClr val="bg1"/>
                 </a:solidFill>
                 <a:effectLst/>
-                <a:latin typeface="Inter"/>
               </a:rPr>
               <a:t>Testautomatisierung lohnt sich</a:t>
             </a:r>
             <a:r>
-              <a:rPr lang="de-DE" sz="1800" b="0" i="0" dirty="0">
-                <a:solidFill>
-                  <a:srgbClr val="F8FAFF"/>
+              <a:rPr lang="de-DE" sz="2200" b="0" i="0" dirty="0">
+                <a:solidFill>
+                  <a:schemeClr val="bg1"/>
                 </a:solidFill>
                 <a:effectLst/>
-                <a:latin typeface="Inter"/>
               </a:rPr>
               <a:t>:</a:t>
             </a:r>
           </a:p>
           <a:p>
-            <a:pPr marL="742950" lvl="1" indent="-285750" algn="l">
+            <a:pPr marL="742950" lvl="1" indent="-285750">
               <a:spcBef>
                 <a:spcPts val="300"/>
               </a:spcBef>
@@ -18053,18 +18023,17 @@
               <a:buChar char="•"/>
             </a:pPr>
             <a:r>
-              <a:rPr lang="de-DE" sz="1800" b="0" i="0" dirty="0">
-                <a:solidFill>
-                  <a:srgbClr val="F8FAFF"/>
+              <a:rPr lang="de-DE" sz="2200" b="0" i="0" dirty="0">
+                <a:solidFill>
+                  <a:schemeClr val="bg1"/>
                 </a:solidFill>
                 <a:effectLst/>
-                <a:latin typeface="Inter"/>
               </a:rPr>
               <a:t>Bei repetitiven, regressionsintensiven Projekten.</a:t>
             </a:r>
           </a:p>
           <a:p>
-            <a:pPr marL="742950" lvl="1" indent="-285750" algn="l">
+            <a:pPr marL="742950" lvl="1" indent="-285750">
               <a:spcBef>
                 <a:spcPts val="300"/>
               </a:spcBef>
@@ -18072,32 +18041,30 @@
               <a:buChar char="•"/>
             </a:pPr>
             <a:r>
-              <a:rPr lang="de-DE" sz="1800" b="0" i="0" dirty="0">
-                <a:solidFill>
-                  <a:srgbClr val="F8FAFF"/>
+              <a:rPr lang="de-DE" sz="2200" b="0" i="0" dirty="0">
+                <a:solidFill>
+                  <a:schemeClr val="bg1"/>
                 </a:solidFill>
                 <a:effectLst/>
-                <a:latin typeface="Inter"/>
               </a:rPr>
               <a:t>In Kombination mit agilen/DevOps-Praktiken.</a:t>
             </a:r>
           </a:p>
           <a:p>
-            <a:pPr marL="457200" lvl="1" algn="l">
+            <a:pPr marL="457200" lvl="1">
               <a:spcBef>
                 <a:spcPts val="300"/>
               </a:spcBef>
             </a:pPr>
-            <a:endParaRPr lang="de-DE" sz="1800" b="0" i="0" dirty="0">
+            <a:endParaRPr lang="de-DE" sz="2200" b="0" i="0" dirty="0">
               <a:solidFill>
-                <a:srgbClr val="F8FAFF"/>
+                <a:schemeClr val="bg1"/>
               </a:solidFill>
               <a:effectLst/>
-              <a:latin typeface="Inter"/>
             </a:endParaRPr>
           </a:p>
           <a:p>
-            <a:pPr algn="l">
+            <a:pPr>
               <a:spcBef>
                 <a:spcPts val="300"/>
               </a:spcBef>
@@ -18106,28 +18073,26 @@
               </a:spcAft>
             </a:pPr>
             <a:r>
-              <a:rPr lang="de-DE" sz="1800" b="1" i="0" dirty="0">
-                <a:solidFill>
-                  <a:srgbClr val="F8FAFF"/>
+              <a:rPr lang="de-DE" sz="2200" b="1" i="0" dirty="0">
+                <a:solidFill>
+                  <a:schemeClr val="bg1"/>
                 </a:solidFill>
                 <a:effectLst/>
-                <a:latin typeface="Inter"/>
               </a:rPr>
               <a:t>Kein Allheilmittel</a:t>
             </a:r>
             <a:r>
-              <a:rPr lang="de-DE" sz="1800" b="0" i="0" dirty="0">
-                <a:solidFill>
-                  <a:srgbClr val="F8FAFF"/>
+              <a:rPr lang="de-DE" sz="2200" b="0" i="0" dirty="0">
+                <a:solidFill>
+                  <a:schemeClr val="bg1"/>
                 </a:solidFill>
                 <a:effectLst/>
-                <a:latin typeface="Inter"/>
               </a:rPr>
               <a:t>:</a:t>
             </a:r>
           </a:p>
           <a:p>
-            <a:pPr marL="742950" lvl="1" indent="-285750" algn="l">
+            <a:pPr marL="742950" lvl="1" indent="-285750">
               <a:spcBef>
                 <a:spcPts val="300"/>
               </a:spcBef>
@@ -18135,18 +18100,17 @@
               <a:buChar char="•"/>
             </a:pPr>
             <a:r>
-              <a:rPr lang="de-DE" sz="1800" b="0" i="0" dirty="0">
-                <a:solidFill>
-                  <a:srgbClr val="F8FAFF"/>
+              <a:rPr lang="de-DE" sz="2200" b="0" i="0" dirty="0">
+                <a:solidFill>
+                  <a:schemeClr val="bg1"/>
                 </a:solidFill>
                 <a:effectLst/>
-                <a:latin typeface="Inter"/>
               </a:rPr>
               <a:t>Manuelles Testing bleibt für kreative/komplexe Szenarien relevant.</a:t>
             </a:r>
           </a:p>
           <a:p>
-            <a:pPr marL="742950" lvl="1" indent="-285750" algn="l">
+            <a:pPr marL="742950" lvl="1" indent="-285750">
               <a:spcBef>
                 <a:spcPts val="300"/>
               </a:spcBef>
@@ -18154,64 +18118,89 @@
               <a:buChar char="•"/>
             </a:pPr>
             <a:r>
-              <a:rPr lang="de-DE" sz="1800" b="0" i="0" dirty="0">
-                <a:solidFill>
-                  <a:srgbClr val="F8FAFF"/>
+              <a:rPr lang="de-DE" sz="2200" b="0" i="0" dirty="0">
+                <a:solidFill>
+                  <a:schemeClr val="bg1"/>
                 </a:solidFill>
                 <a:effectLst/>
-                <a:latin typeface="Inter"/>
               </a:rPr>
               <a:t>Strategische Auswahl der Testfälle entscheidend.</a:t>
             </a:r>
           </a:p>
           <a:p>
-            <a:pPr marL="742950" lvl="1" indent="-285750" algn="l">
+            <a:pPr marL="742950" lvl="1" indent="-285750">
               <a:spcBef>
                 <a:spcPts val="300"/>
               </a:spcBef>
               <a:buFont typeface="Arial" panose="020B0604020202020204" pitchFamily="34" charset="0"/>
               <a:buChar char="•"/>
             </a:pPr>
-            <a:endParaRPr lang="de-DE" sz="1800" b="0" i="0" dirty="0">
+            <a:endParaRPr lang="de-DE" sz="2200" b="0" i="0" dirty="0">
               <a:solidFill>
-                <a:srgbClr val="F8FAFF"/>
+                <a:schemeClr val="bg1"/>
               </a:solidFill>
               <a:effectLst/>
-              <a:latin typeface="Inter"/>
             </a:endParaRPr>
           </a:p>
           <a:p>
-            <a:pPr algn="l">
+            <a:pPr>
               <a:spcBef>
                 <a:spcPts val="300"/>
               </a:spcBef>
             </a:pPr>
             <a:r>
-              <a:rPr lang="de-DE" sz="1800" b="1" i="0" dirty="0">
-                <a:solidFill>
-                  <a:srgbClr val="F8FAFF"/>
+              <a:rPr lang="de-DE" sz="2200" b="1" i="0" dirty="0">
+                <a:solidFill>
+                  <a:schemeClr val="bg1"/>
                 </a:solidFill>
                 <a:effectLst/>
-                <a:latin typeface="Inter"/>
               </a:rPr>
               <a:t>Ziel</a:t>
             </a:r>
             <a:r>
-              <a:rPr lang="de-DE" sz="1800" b="0" i="0" dirty="0">
-                <a:solidFill>
-                  <a:srgbClr val="F8FAFF"/>
+              <a:rPr lang="de-DE" sz="2200" b="0" i="0" dirty="0">
+                <a:solidFill>
+                  <a:schemeClr val="bg1"/>
                 </a:solidFill>
                 <a:effectLst/>
-                <a:latin typeface="Inter"/>
               </a:rPr>
-              <a:t>: Qualität sichern, Veröffentlichung verkürzen, Kosten optimieren.</a:t>
-            </a:r>
-          </a:p>
-          <a:p>
-            <a:endParaRPr lang="en-US" dirty="0"/>
-          </a:p>
-        </p:txBody>
-      </p:sp>
+              <a:t>: Qualität verbessern, Veröffentlichung verkürzen, Kosten verringern.</a:t>
+            </a:r>
+          </a:p>
+          <a:p>
+            <a:endParaRPr lang="en-US" sz="2200" dirty="0"/>
+          </a:p>
+        </p:txBody>
+      </p:sp>
+      <p:pic>
+        <p:nvPicPr>
+          <p:cNvPr id="8" name="Grafik 7" descr="Ein Bild, das Text, Screenshot, Karte Menü enthält.&#10;&#10;Automatisch generierte Beschreibung">
+            <a:extLst>
+              <a:ext uri="{FF2B5EF4-FFF2-40B4-BE49-F238E27FC236}">
+                <a16:creationId xmlns:a16="http://schemas.microsoft.com/office/drawing/2014/main" id="{89449F04-0A64-DA53-A193-610379A8BC31}"/>
+              </a:ext>
+            </a:extLst>
+          </p:cNvPr>
+          <p:cNvPicPr>
+            <a:picLocks noChangeAspect="1"/>
+          </p:cNvPicPr>
+          <p:nvPr/>
+        </p:nvPicPr>
+        <p:blipFill>
+          <a:blip r:embed="rId2"/>
+          <a:srcRect t="7912" r="70347"/>
+          <a:stretch/>
+        </p:blipFill>
+        <p:spPr>
+          <a:xfrm>
+            <a:off x="8165497" y="0"/>
+            <a:ext cx="4026504" cy="6858000"/>
+          </a:xfrm>
+          <a:prstGeom prst="rect">
+            <a:avLst/>
+          </a:prstGeom>
+        </p:spPr>
+      </p:pic>
     </p:spTree>
     <p:extLst>
       <p:ext uri="{BB962C8B-B14F-4D97-AF65-F5344CB8AC3E}">
@@ -18222,6 +18211,9 @@
   <p:clrMapOvr>
     <a:masterClrMapping/>
   </p:clrMapOvr>
+  <p:transition spd="slow">
+    <p:comb/>
+  </p:transition>
 </p:sld>
 </file>
 
@@ -18414,6 +18406,9 @@
   <p:clrMapOvr>
     <a:masterClrMapping/>
   </p:clrMapOvr>
+  <p:transition spd="slow">
+    <p:comb/>
+  </p:transition>
 </p:sld>
 </file>
 
